--- a/ppt 16-9/1302.天国天国真美.pptx
+++ b/ppt 16-9/1302.天国天国真美.pptx
@@ -129,7 +129,7 @@
           <p:cNvPr id="2" name="标题 1">
             <a:extLst>
               <a:ext uri="{FF2B5EF4-FFF2-40B4-BE49-F238E27FC236}">
-                <a16:creationId xmlns:a16="http://schemas.microsoft.com/office/drawing/2014/main" id="{27FB41AA-5914-6FA1-A052-DA4ACD55A565}"/>
+                <a16:creationId xmlns:a16="http://schemas.microsoft.com/office/drawing/2014/main" id="{611EEB95-8D88-054B-EC6F-01010C016739}"/>
               </a:ext>
             </a:extLst>
           </p:cNvPr>
@@ -166,7 +166,7 @@
           <p:cNvPr id="3" name="副标题 2">
             <a:extLst>
               <a:ext uri="{FF2B5EF4-FFF2-40B4-BE49-F238E27FC236}">
-                <a16:creationId xmlns:a16="http://schemas.microsoft.com/office/drawing/2014/main" id="{86A6E324-E119-2ED1-5B9B-2A8999FFF103}"/>
+                <a16:creationId xmlns:a16="http://schemas.microsoft.com/office/drawing/2014/main" id="{8D80150A-628A-4D0D-EC2D-6566D78D267F}"/>
               </a:ext>
             </a:extLst>
           </p:cNvPr>
@@ -236,7 +236,7 @@
           <p:cNvPr id="4" name="日期占位符 3">
             <a:extLst>
               <a:ext uri="{FF2B5EF4-FFF2-40B4-BE49-F238E27FC236}">
-                <a16:creationId xmlns:a16="http://schemas.microsoft.com/office/drawing/2014/main" id="{323EC7DD-46E8-0B39-6D9E-07E8F0A22A2D}"/>
+                <a16:creationId xmlns:a16="http://schemas.microsoft.com/office/drawing/2014/main" id="{D48DF3EA-42E1-E6D8-8C6B-8FE446C0EA3C}"/>
               </a:ext>
             </a:extLst>
           </p:cNvPr>
@@ -252,7 +252,7 @@
           <a:bodyPr/>
           <a:lstStyle/>
           <a:p>
-            <a:fld id="{443A569A-B081-480C-8B4E-B823A27AB127}" type="datetimeFigureOut">
+            <a:fld id="{F595638D-2C69-42E4-BFD8-917C827F818F}" type="datetimeFigureOut">
               <a:rPr lang="zh-CN" altLang="en-US" smtClean="0"/>
               <a:t>2024/3/10</a:t>
             </a:fld>
@@ -265,7 +265,7 @@
           <p:cNvPr id="5" name="页脚占位符 4">
             <a:extLst>
               <a:ext uri="{FF2B5EF4-FFF2-40B4-BE49-F238E27FC236}">
-                <a16:creationId xmlns:a16="http://schemas.microsoft.com/office/drawing/2014/main" id="{0A18B0D7-ECCB-7807-ED64-16CCD9D1B9D2}"/>
+                <a16:creationId xmlns:a16="http://schemas.microsoft.com/office/drawing/2014/main" id="{79714994-74EB-A126-8089-E4869E2B3DF1}"/>
               </a:ext>
             </a:extLst>
           </p:cNvPr>
@@ -290,7 +290,7 @@
           <p:cNvPr id="6" name="灯片编号占位符 5">
             <a:extLst>
               <a:ext uri="{FF2B5EF4-FFF2-40B4-BE49-F238E27FC236}">
-                <a16:creationId xmlns:a16="http://schemas.microsoft.com/office/drawing/2014/main" id="{ADB9DB00-72E0-2048-DAEF-5EAFCA45EDFD}"/>
+                <a16:creationId xmlns:a16="http://schemas.microsoft.com/office/drawing/2014/main" id="{ECA6D31E-9B9B-2851-DB16-E8E296E4CADF}"/>
               </a:ext>
             </a:extLst>
           </p:cNvPr>
@@ -306,7 +306,7 @@
           <a:bodyPr/>
           <a:lstStyle/>
           <a:p>
-            <a:fld id="{779701BB-CBBF-45A7-9EE0-BCCA4005928F}" type="slidenum">
+            <a:fld id="{F0EF1426-804E-486C-9A0F-3CFED43A5972}" type="slidenum">
               <a:rPr lang="zh-CN" altLang="en-US" smtClean="0"/>
               <a:t>‹#›</a:t>
             </a:fld>
@@ -317,7 +317,7 @@
     </p:spTree>
     <p:extLst>
       <p:ext uri="{BB962C8B-B14F-4D97-AF65-F5344CB8AC3E}">
-        <p14:creationId xmlns:p14="http://schemas.microsoft.com/office/powerpoint/2010/main" val="3095004576"/>
+        <p14:creationId xmlns:p14="http://schemas.microsoft.com/office/powerpoint/2010/main" val="4147794199"/>
       </p:ext>
     </p:extLst>
   </p:cSld>
@@ -349,7 +349,7 @@
           <p:cNvPr id="2" name="标题 1">
             <a:extLst>
               <a:ext uri="{FF2B5EF4-FFF2-40B4-BE49-F238E27FC236}">
-                <a16:creationId xmlns:a16="http://schemas.microsoft.com/office/drawing/2014/main" id="{7CD588F1-A1BA-0D42-190A-5821B03F5481}"/>
+                <a16:creationId xmlns:a16="http://schemas.microsoft.com/office/drawing/2014/main" id="{D0DF64A9-600B-3C5F-19C0-69C0C5CE2893}"/>
               </a:ext>
             </a:extLst>
           </p:cNvPr>
@@ -377,7 +377,7 @@
           <p:cNvPr id="3" name="竖排文字占位符 2">
             <a:extLst>
               <a:ext uri="{FF2B5EF4-FFF2-40B4-BE49-F238E27FC236}">
-                <a16:creationId xmlns:a16="http://schemas.microsoft.com/office/drawing/2014/main" id="{7D5669EE-B464-BE10-EBB9-0E1FE14ECFBB}"/>
+                <a16:creationId xmlns:a16="http://schemas.microsoft.com/office/drawing/2014/main" id="{A08CA62A-1678-4703-8EB4-66EFACE1CB56}"/>
               </a:ext>
             </a:extLst>
           </p:cNvPr>
@@ -434,7 +434,7 @@
           <p:cNvPr id="4" name="日期占位符 3">
             <a:extLst>
               <a:ext uri="{FF2B5EF4-FFF2-40B4-BE49-F238E27FC236}">
-                <a16:creationId xmlns:a16="http://schemas.microsoft.com/office/drawing/2014/main" id="{24983F8B-C629-A2A0-B699-90219EB49FC2}"/>
+                <a16:creationId xmlns:a16="http://schemas.microsoft.com/office/drawing/2014/main" id="{8D1EF789-194E-B805-56D7-98D34C0CEA12}"/>
               </a:ext>
             </a:extLst>
           </p:cNvPr>
@@ -450,7 +450,7 @@
           <a:bodyPr/>
           <a:lstStyle/>
           <a:p>
-            <a:fld id="{443A569A-B081-480C-8B4E-B823A27AB127}" type="datetimeFigureOut">
+            <a:fld id="{F595638D-2C69-42E4-BFD8-917C827F818F}" type="datetimeFigureOut">
               <a:rPr lang="zh-CN" altLang="en-US" smtClean="0"/>
               <a:t>2024/3/10</a:t>
             </a:fld>
@@ -463,7 +463,7 @@
           <p:cNvPr id="5" name="页脚占位符 4">
             <a:extLst>
               <a:ext uri="{FF2B5EF4-FFF2-40B4-BE49-F238E27FC236}">
-                <a16:creationId xmlns:a16="http://schemas.microsoft.com/office/drawing/2014/main" id="{EC3FC8A4-1377-C029-C7DC-FED42F0A2DB8}"/>
+                <a16:creationId xmlns:a16="http://schemas.microsoft.com/office/drawing/2014/main" id="{25B7AF68-10DA-F1C7-3C36-183CC18C6C9A}"/>
               </a:ext>
             </a:extLst>
           </p:cNvPr>
@@ -488,7 +488,7 @@
           <p:cNvPr id="6" name="灯片编号占位符 5">
             <a:extLst>
               <a:ext uri="{FF2B5EF4-FFF2-40B4-BE49-F238E27FC236}">
-                <a16:creationId xmlns:a16="http://schemas.microsoft.com/office/drawing/2014/main" id="{E7E01712-0C91-2AE1-0598-1B8D463E37DD}"/>
+                <a16:creationId xmlns:a16="http://schemas.microsoft.com/office/drawing/2014/main" id="{246691FA-DF4D-1F87-7751-9C06636536C8}"/>
               </a:ext>
             </a:extLst>
           </p:cNvPr>
@@ -504,7 +504,7 @@
           <a:bodyPr/>
           <a:lstStyle/>
           <a:p>
-            <a:fld id="{779701BB-CBBF-45A7-9EE0-BCCA4005928F}" type="slidenum">
+            <a:fld id="{F0EF1426-804E-486C-9A0F-3CFED43A5972}" type="slidenum">
               <a:rPr lang="zh-CN" altLang="en-US" smtClean="0"/>
               <a:t>‹#›</a:t>
             </a:fld>
@@ -515,7 +515,7 @@
     </p:spTree>
     <p:extLst>
       <p:ext uri="{BB962C8B-B14F-4D97-AF65-F5344CB8AC3E}">
-        <p14:creationId xmlns:p14="http://schemas.microsoft.com/office/powerpoint/2010/main" val="4069411257"/>
+        <p14:creationId xmlns:p14="http://schemas.microsoft.com/office/powerpoint/2010/main" val="835774407"/>
       </p:ext>
     </p:extLst>
   </p:cSld>
@@ -547,7 +547,7 @@
           <p:cNvPr id="2" name="竖排标题 1">
             <a:extLst>
               <a:ext uri="{FF2B5EF4-FFF2-40B4-BE49-F238E27FC236}">
-                <a16:creationId xmlns:a16="http://schemas.microsoft.com/office/drawing/2014/main" id="{31E7EA34-9B9A-58A3-E955-7D1B75254C07}"/>
+                <a16:creationId xmlns:a16="http://schemas.microsoft.com/office/drawing/2014/main" id="{081431C2-F48F-380F-BCF8-764B68930A20}"/>
               </a:ext>
             </a:extLst>
           </p:cNvPr>
@@ -580,7 +580,7 @@
           <p:cNvPr id="3" name="竖排文字占位符 2">
             <a:extLst>
               <a:ext uri="{FF2B5EF4-FFF2-40B4-BE49-F238E27FC236}">
-                <a16:creationId xmlns:a16="http://schemas.microsoft.com/office/drawing/2014/main" id="{5481467B-2F70-AC18-2FC7-8174F4D18E24}"/>
+                <a16:creationId xmlns:a16="http://schemas.microsoft.com/office/drawing/2014/main" id="{B0DF993E-F892-D6B3-FC47-EA51BAC79994}"/>
               </a:ext>
             </a:extLst>
           </p:cNvPr>
@@ -642,7 +642,7 @@
           <p:cNvPr id="4" name="日期占位符 3">
             <a:extLst>
               <a:ext uri="{FF2B5EF4-FFF2-40B4-BE49-F238E27FC236}">
-                <a16:creationId xmlns:a16="http://schemas.microsoft.com/office/drawing/2014/main" id="{C6B6FB44-8BB8-5DFB-6D35-4270A2EC2070}"/>
+                <a16:creationId xmlns:a16="http://schemas.microsoft.com/office/drawing/2014/main" id="{9138BD8A-F13F-9520-E1C4-CCF633DEFFDD}"/>
               </a:ext>
             </a:extLst>
           </p:cNvPr>
@@ -658,7 +658,7 @@
           <a:bodyPr/>
           <a:lstStyle/>
           <a:p>
-            <a:fld id="{443A569A-B081-480C-8B4E-B823A27AB127}" type="datetimeFigureOut">
+            <a:fld id="{F595638D-2C69-42E4-BFD8-917C827F818F}" type="datetimeFigureOut">
               <a:rPr lang="zh-CN" altLang="en-US" smtClean="0"/>
               <a:t>2024/3/10</a:t>
             </a:fld>
@@ -671,7 +671,7 @@
           <p:cNvPr id="5" name="页脚占位符 4">
             <a:extLst>
               <a:ext uri="{FF2B5EF4-FFF2-40B4-BE49-F238E27FC236}">
-                <a16:creationId xmlns:a16="http://schemas.microsoft.com/office/drawing/2014/main" id="{C069EC24-6181-CACF-57AA-526527CFEA0D}"/>
+                <a16:creationId xmlns:a16="http://schemas.microsoft.com/office/drawing/2014/main" id="{04DAC94D-D3DB-C989-03D2-0999023D3B62}"/>
               </a:ext>
             </a:extLst>
           </p:cNvPr>
@@ -696,7 +696,7 @@
           <p:cNvPr id="6" name="灯片编号占位符 5">
             <a:extLst>
               <a:ext uri="{FF2B5EF4-FFF2-40B4-BE49-F238E27FC236}">
-                <a16:creationId xmlns:a16="http://schemas.microsoft.com/office/drawing/2014/main" id="{4D8D913C-2318-C2B9-2E90-F4E0900F8B3A}"/>
+                <a16:creationId xmlns:a16="http://schemas.microsoft.com/office/drawing/2014/main" id="{3C332CA3-DD95-42B8-E9F5-8E8A7ADB8B22}"/>
               </a:ext>
             </a:extLst>
           </p:cNvPr>
@@ -712,7 +712,7 @@
           <a:bodyPr/>
           <a:lstStyle/>
           <a:p>
-            <a:fld id="{779701BB-CBBF-45A7-9EE0-BCCA4005928F}" type="slidenum">
+            <a:fld id="{F0EF1426-804E-486C-9A0F-3CFED43A5972}" type="slidenum">
               <a:rPr lang="zh-CN" altLang="en-US" smtClean="0"/>
               <a:t>‹#›</a:t>
             </a:fld>
@@ -723,7 +723,7 @@
     </p:spTree>
     <p:extLst>
       <p:ext uri="{BB962C8B-B14F-4D97-AF65-F5344CB8AC3E}">
-        <p14:creationId xmlns:p14="http://schemas.microsoft.com/office/powerpoint/2010/main" val="1634105580"/>
+        <p14:creationId xmlns:p14="http://schemas.microsoft.com/office/powerpoint/2010/main" val="3835262877"/>
       </p:ext>
     </p:extLst>
   </p:cSld>
@@ -755,7 +755,7 @@
           <p:cNvPr id="2" name="标题 1">
             <a:extLst>
               <a:ext uri="{FF2B5EF4-FFF2-40B4-BE49-F238E27FC236}">
-                <a16:creationId xmlns:a16="http://schemas.microsoft.com/office/drawing/2014/main" id="{A4437351-E0D5-FE79-8C6E-0A650B1AB470}"/>
+                <a16:creationId xmlns:a16="http://schemas.microsoft.com/office/drawing/2014/main" id="{37CC061E-F412-ACEC-A573-9364B3BC9376}"/>
               </a:ext>
             </a:extLst>
           </p:cNvPr>
@@ -783,7 +783,7 @@
           <p:cNvPr id="3" name="内容占位符 2">
             <a:extLst>
               <a:ext uri="{FF2B5EF4-FFF2-40B4-BE49-F238E27FC236}">
-                <a16:creationId xmlns:a16="http://schemas.microsoft.com/office/drawing/2014/main" id="{B2BF722A-5BE1-F8B9-0A4D-5D0AB086EE47}"/>
+                <a16:creationId xmlns:a16="http://schemas.microsoft.com/office/drawing/2014/main" id="{A698DA7A-D2C1-BD60-B82E-860796F3FC51}"/>
               </a:ext>
             </a:extLst>
           </p:cNvPr>
@@ -840,7 +840,7 @@
           <p:cNvPr id="4" name="日期占位符 3">
             <a:extLst>
               <a:ext uri="{FF2B5EF4-FFF2-40B4-BE49-F238E27FC236}">
-                <a16:creationId xmlns:a16="http://schemas.microsoft.com/office/drawing/2014/main" id="{7B0147A7-772E-3BF1-5EED-CC522AF84B26}"/>
+                <a16:creationId xmlns:a16="http://schemas.microsoft.com/office/drawing/2014/main" id="{3A420F12-5F65-BB47-6E4E-6E1E629D20D8}"/>
               </a:ext>
             </a:extLst>
           </p:cNvPr>
@@ -856,7 +856,7 @@
           <a:bodyPr/>
           <a:lstStyle/>
           <a:p>
-            <a:fld id="{443A569A-B081-480C-8B4E-B823A27AB127}" type="datetimeFigureOut">
+            <a:fld id="{F595638D-2C69-42E4-BFD8-917C827F818F}" type="datetimeFigureOut">
               <a:rPr lang="zh-CN" altLang="en-US" smtClean="0"/>
               <a:t>2024/3/10</a:t>
             </a:fld>
@@ -869,7 +869,7 @@
           <p:cNvPr id="5" name="页脚占位符 4">
             <a:extLst>
               <a:ext uri="{FF2B5EF4-FFF2-40B4-BE49-F238E27FC236}">
-                <a16:creationId xmlns:a16="http://schemas.microsoft.com/office/drawing/2014/main" id="{50FA27EB-F5AF-86B6-BA69-077383FB228C}"/>
+                <a16:creationId xmlns:a16="http://schemas.microsoft.com/office/drawing/2014/main" id="{88E36726-54BD-3EF2-69A1-6228AFFCC213}"/>
               </a:ext>
             </a:extLst>
           </p:cNvPr>
@@ -894,7 +894,7 @@
           <p:cNvPr id="6" name="灯片编号占位符 5">
             <a:extLst>
               <a:ext uri="{FF2B5EF4-FFF2-40B4-BE49-F238E27FC236}">
-                <a16:creationId xmlns:a16="http://schemas.microsoft.com/office/drawing/2014/main" id="{74CBCC36-1311-EDCC-6B1B-85376BCEEFB1}"/>
+                <a16:creationId xmlns:a16="http://schemas.microsoft.com/office/drawing/2014/main" id="{7E7BC504-1254-916D-181C-A54812AFBB9E}"/>
               </a:ext>
             </a:extLst>
           </p:cNvPr>
@@ -910,7 +910,7 @@
           <a:bodyPr/>
           <a:lstStyle/>
           <a:p>
-            <a:fld id="{779701BB-CBBF-45A7-9EE0-BCCA4005928F}" type="slidenum">
+            <a:fld id="{F0EF1426-804E-486C-9A0F-3CFED43A5972}" type="slidenum">
               <a:rPr lang="zh-CN" altLang="en-US" smtClean="0"/>
               <a:t>‹#›</a:t>
             </a:fld>
@@ -921,7 +921,7 @@
     </p:spTree>
     <p:extLst>
       <p:ext uri="{BB962C8B-B14F-4D97-AF65-F5344CB8AC3E}">
-        <p14:creationId xmlns:p14="http://schemas.microsoft.com/office/powerpoint/2010/main" val="397431255"/>
+        <p14:creationId xmlns:p14="http://schemas.microsoft.com/office/powerpoint/2010/main" val="3782948407"/>
       </p:ext>
     </p:extLst>
   </p:cSld>
@@ -953,7 +953,7 @@
           <p:cNvPr id="2" name="标题 1">
             <a:extLst>
               <a:ext uri="{FF2B5EF4-FFF2-40B4-BE49-F238E27FC236}">
-                <a16:creationId xmlns:a16="http://schemas.microsoft.com/office/drawing/2014/main" id="{9B1A3C88-D44C-C57E-C4D4-EB46F55CFF91}"/>
+                <a16:creationId xmlns:a16="http://schemas.microsoft.com/office/drawing/2014/main" id="{F07B354E-D159-A0AF-9C26-5A7B30418AE2}"/>
               </a:ext>
             </a:extLst>
           </p:cNvPr>
@@ -990,7 +990,7 @@
           <p:cNvPr id="3" name="文本占位符 2">
             <a:extLst>
               <a:ext uri="{FF2B5EF4-FFF2-40B4-BE49-F238E27FC236}">
-                <a16:creationId xmlns:a16="http://schemas.microsoft.com/office/drawing/2014/main" id="{497D9835-965C-C5C3-8E09-EA1F49FE8D72}"/>
+                <a16:creationId xmlns:a16="http://schemas.microsoft.com/office/drawing/2014/main" id="{0240020F-AD75-465C-EDAE-B47C4DC114F8}"/>
               </a:ext>
             </a:extLst>
           </p:cNvPr>
@@ -1115,7 +1115,7 @@
           <p:cNvPr id="4" name="日期占位符 3">
             <a:extLst>
               <a:ext uri="{FF2B5EF4-FFF2-40B4-BE49-F238E27FC236}">
-                <a16:creationId xmlns:a16="http://schemas.microsoft.com/office/drawing/2014/main" id="{2F5CB6E5-02F9-FF35-BD53-67E0A6C494D4}"/>
+                <a16:creationId xmlns:a16="http://schemas.microsoft.com/office/drawing/2014/main" id="{12E6EB70-2BD2-2C01-E354-61DD2934292B}"/>
               </a:ext>
             </a:extLst>
           </p:cNvPr>
@@ -1131,7 +1131,7 @@
           <a:bodyPr/>
           <a:lstStyle/>
           <a:p>
-            <a:fld id="{443A569A-B081-480C-8B4E-B823A27AB127}" type="datetimeFigureOut">
+            <a:fld id="{F595638D-2C69-42E4-BFD8-917C827F818F}" type="datetimeFigureOut">
               <a:rPr lang="zh-CN" altLang="en-US" smtClean="0"/>
               <a:t>2024/3/10</a:t>
             </a:fld>
@@ -1144,7 +1144,7 @@
           <p:cNvPr id="5" name="页脚占位符 4">
             <a:extLst>
               <a:ext uri="{FF2B5EF4-FFF2-40B4-BE49-F238E27FC236}">
-                <a16:creationId xmlns:a16="http://schemas.microsoft.com/office/drawing/2014/main" id="{8150C6EF-7277-6B8A-C52A-35DA00ACA417}"/>
+                <a16:creationId xmlns:a16="http://schemas.microsoft.com/office/drawing/2014/main" id="{087EB4FD-09DA-2967-836C-723D0D82AC53}"/>
               </a:ext>
             </a:extLst>
           </p:cNvPr>
@@ -1169,7 +1169,7 @@
           <p:cNvPr id="6" name="灯片编号占位符 5">
             <a:extLst>
               <a:ext uri="{FF2B5EF4-FFF2-40B4-BE49-F238E27FC236}">
-                <a16:creationId xmlns:a16="http://schemas.microsoft.com/office/drawing/2014/main" id="{537A632B-A69E-2F65-609D-F10EC6FF15AD}"/>
+                <a16:creationId xmlns:a16="http://schemas.microsoft.com/office/drawing/2014/main" id="{478700E1-6F29-B164-4D2E-26991A64ECF5}"/>
               </a:ext>
             </a:extLst>
           </p:cNvPr>
@@ -1185,7 +1185,7 @@
           <a:bodyPr/>
           <a:lstStyle/>
           <a:p>
-            <a:fld id="{779701BB-CBBF-45A7-9EE0-BCCA4005928F}" type="slidenum">
+            <a:fld id="{F0EF1426-804E-486C-9A0F-3CFED43A5972}" type="slidenum">
               <a:rPr lang="zh-CN" altLang="en-US" smtClean="0"/>
               <a:t>‹#›</a:t>
             </a:fld>
@@ -1196,7 +1196,7 @@
     </p:spTree>
     <p:extLst>
       <p:ext uri="{BB962C8B-B14F-4D97-AF65-F5344CB8AC3E}">
-        <p14:creationId xmlns:p14="http://schemas.microsoft.com/office/powerpoint/2010/main" val="2450051350"/>
+        <p14:creationId xmlns:p14="http://schemas.microsoft.com/office/powerpoint/2010/main" val="2107235619"/>
       </p:ext>
     </p:extLst>
   </p:cSld>
@@ -1228,7 +1228,7 @@
           <p:cNvPr id="2" name="标题 1">
             <a:extLst>
               <a:ext uri="{FF2B5EF4-FFF2-40B4-BE49-F238E27FC236}">
-                <a16:creationId xmlns:a16="http://schemas.microsoft.com/office/drawing/2014/main" id="{0C343F8F-329C-683A-B87E-FE6D66862B47}"/>
+                <a16:creationId xmlns:a16="http://schemas.microsoft.com/office/drawing/2014/main" id="{1D0DEA23-0131-2B0D-2328-1C0A5FD0B5D5}"/>
               </a:ext>
             </a:extLst>
           </p:cNvPr>
@@ -1256,7 +1256,7 @@
           <p:cNvPr id="3" name="内容占位符 2">
             <a:extLst>
               <a:ext uri="{FF2B5EF4-FFF2-40B4-BE49-F238E27FC236}">
-                <a16:creationId xmlns:a16="http://schemas.microsoft.com/office/drawing/2014/main" id="{EEC6C449-1D32-9EC7-DD26-387D4BC2FFF7}"/>
+                <a16:creationId xmlns:a16="http://schemas.microsoft.com/office/drawing/2014/main" id="{1D4E3D3F-9150-8CBF-3A53-05FE6DF3686C}"/>
               </a:ext>
             </a:extLst>
           </p:cNvPr>
@@ -1318,7 +1318,7 @@
           <p:cNvPr id="4" name="内容占位符 3">
             <a:extLst>
               <a:ext uri="{FF2B5EF4-FFF2-40B4-BE49-F238E27FC236}">
-                <a16:creationId xmlns:a16="http://schemas.microsoft.com/office/drawing/2014/main" id="{ACC5FEA6-D2F7-E85A-6660-03BE1FD5A068}"/>
+                <a16:creationId xmlns:a16="http://schemas.microsoft.com/office/drawing/2014/main" id="{7723856F-A1E7-BBA5-DC9B-3EA8D7F78B8C}"/>
               </a:ext>
             </a:extLst>
           </p:cNvPr>
@@ -1380,7 +1380,7 @@
           <p:cNvPr id="5" name="日期占位符 4">
             <a:extLst>
               <a:ext uri="{FF2B5EF4-FFF2-40B4-BE49-F238E27FC236}">
-                <a16:creationId xmlns:a16="http://schemas.microsoft.com/office/drawing/2014/main" id="{4007E4FB-E1D9-7A4C-E776-3DB909469B70}"/>
+                <a16:creationId xmlns:a16="http://schemas.microsoft.com/office/drawing/2014/main" id="{ABD2A805-14DB-33F4-BB7A-BD386CB18EE3}"/>
               </a:ext>
             </a:extLst>
           </p:cNvPr>
@@ -1396,7 +1396,7 @@
           <a:bodyPr/>
           <a:lstStyle/>
           <a:p>
-            <a:fld id="{443A569A-B081-480C-8B4E-B823A27AB127}" type="datetimeFigureOut">
+            <a:fld id="{F595638D-2C69-42E4-BFD8-917C827F818F}" type="datetimeFigureOut">
               <a:rPr lang="zh-CN" altLang="en-US" smtClean="0"/>
               <a:t>2024/3/10</a:t>
             </a:fld>
@@ -1409,7 +1409,7 @@
           <p:cNvPr id="6" name="页脚占位符 5">
             <a:extLst>
               <a:ext uri="{FF2B5EF4-FFF2-40B4-BE49-F238E27FC236}">
-                <a16:creationId xmlns:a16="http://schemas.microsoft.com/office/drawing/2014/main" id="{F760D489-3555-09E4-DDD4-25BF7E33CF68}"/>
+                <a16:creationId xmlns:a16="http://schemas.microsoft.com/office/drawing/2014/main" id="{145475D9-5712-22FA-3A09-F22930FD203F}"/>
               </a:ext>
             </a:extLst>
           </p:cNvPr>
@@ -1434,7 +1434,7 @@
           <p:cNvPr id="7" name="灯片编号占位符 6">
             <a:extLst>
               <a:ext uri="{FF2B5EF4-FFF2-40B4-BE49-F238E27FC236}">
-                <a16:creationId xmlns:a16="http://schemas.microsoft.com/office/drawing/2014/main" id="{96ED3B18-4A63-E94D-D6C6-340D4224C5DB}"/>
+                <a16:creationId xmlns:a16="http://schemas.microsoft.com/office/drawing/2014/main" id="{665A6DA0-817D-66BC-9383-7B8502973019}"/>
               </a:ext>
             </a:extLst>
           </p:cNvPr>
@@ -1450,7 +1450,7 @@
           <a:bodyPr/>
           <a:lstStyle/>
           <a:p>
-            <a:fld id="{779701BB-CBBF-45A7-9EE0-BCCA4005928F}" type="slidenum">
+            <a:fld id="{F0EF1426-804E-486C-9A0F-3CFED43A5972}" type="slidenum">
               <a:rPr lang="zh-CN" altLang="en-US" smtClean="0"/>
               <a:t>‹#›</a:t>
             </a:fld>
@@ -1461,7 +1461,7 @@
     </p:spTree>
     <p:extLst>
       <p:ext uri="{BB962C8B-B14F-4D97-AF65-F5344CB8AC3E}">
-        <p14:creationId xmlns:p14="http://schemas.microsoft.com/office/powerpoint/2010/main" val="1861180329"/>
+        <p14:creationId xmlns:p14="http://schemas.microsoft.com/office/powerpoint/2010/main" val="2523199435"/>
       </p:ext>
     </p:extLst>
   </p:cSld>
@@ -1493,7 +1493,7 @@
           <p:cNvPr id="2" name="标题 1">
             <a:extLst>
               <a:ext uri="{FF2B5EF4-FFF2-40B4-BE49-F238E27FC236}">
-                <a16:creationId xmlns:a16="http://schemas.microsoft.com/office/drawing/2014/main" id="{2C97575B-0783-8D7F-7DF3-484251A530F4}"/>
+                <a16:creationId xmlns:a16="http://schemas.microsoft.com/office/drawing/2014/main" id="{78893391-FD21-BEB9-B6FC-3FC6E8C260FA}"/>
               </a:ext>
             </a:extLst>
           </p:cNvPr>
@@ -1526,7 +1526,7 @@
           <p:cNvPr id="3" name="文本占位符 2">
             <a:extLst>
               <a:ext uri="{FF2B5EF4-FFF2-40B4-BE49-F238E27FC236}">
-                <a16:creationId xmlns:a16="http://schemas.microsoft.com/office/drawing/2014/main" id="{511530F7-B288-0D6E-17F7-C34FC2B2722A}"/>
+                <a16:creationId xmlns:a16="http://schemas.microsoft.com/office/drawing/2014/main" id="{4D846370-F300-9114-85E1-94F68DB43FFD}"/>
               </a:ext>
             </a:extLst>
           </p:cNvPr>
@@ -1597,7 +1597,7 @@
           <p:cNvPr id="4" name="内容占位符 3">
             <a:extLst>
               <a:ext uri="{FF2B5EF4-FFF2-40B4-BE49-F238E27FC236}">
-                <a16:creationId xmlns:a16="http://schemas.microsoft.com/office/drawing/2014/main" id="{12ED1478-A160-2B6E-C4C3-4E84A4F2B3C2}"/>
+                <a16:creationId xmlns:a16="http://schemas.microsoft.com/office/drawing/2014/main" id="{BD95F082-30E9-385C-90D7-3D8A24D1576E}"/>
               </a:ext>
             </a:extLst>
           </p:cNvPr>
@@ -1659,7 +1659,7 @@
           <p:cNvPr id="5" name="文本占位符 4">
             <a:extLst>
               <a:ext uri="{FF2B5EF4-FFF2-40B4-BE49-F238E27FC236}">
-                <a16:creationId xmlns:a16="http://schemas.microsoft.com/office/drawing/2014/main" id="{2F9AD00C-C2CA-5E36-7345-5D0807700D11}"/>
+                <a16:creationId xmlns:a16="http://schemas.microsoft.com/office/drawing/2014/main" id="{A663D13C-5714-5A32-E79A-28851225A65D}"/>
               </a:ext>
             </a:extLst>
           </p:cNvPr>
@@ -1730,7 +1730,7 @@
           <p:cNvPr id="6" name="内容占位符 5">
             <a:extLst>
               <a:ext uri="{FF2B5EF4-FFF2-40B4-BE49-F238E27FC236}">
-                <a16:creationId xmlns:a16="http://schemas.microsoft.com/office/drawing/2014/main" id="{67872AA8-9801-91AC-20AC-7E47B34F8E28}"/>
+                <a16:creationId xmlns:a16="http://schemas.microsoft.com/office/drawing/2014/main" id="{CDE087E3-5753-A73C-F262-0EF2F6F8C5AD}"/>
               </a:ext>
             </a:extLst>
           </p:cNvPr>
@@ -1792,7 +1792,7 @@
           <p:cNvPr id="7" name="日期占位符 6">
             <a:extLst>
               <a:ext uri="{FF2B5EF4-FFF2-40B4-BE49-F238E27FC236}">
-                <a16:creationId xmlns:a16="http://schemas.microsoft.com/office/drawing/2014/main" id="{B9D4FD68-C47F-48BF-E1D8-007B564B8D13}"/>
+                <a16:creationId xmlns:a16="http://schemas.microsoft.com/office/drawing/2014/main" id="{F73A1EA0-40BB-46A5-FA7F-26E3AC668C5F}"/>
               </a:ext>
             </a:extLst>
           </p:cNvPr>
@@ -1808,7 +1808,7 @@
           <a:bodyPr/>
           <a:lstStyle/>
           <a:p>
-            <a:fld id="{443A569A-B081-480C-8B4E-B823A27AB127}" type="datetimeFigureOut">
+            <a:fld id="{F595638D-2C69-42E4-BFD8-917C827F818F}" type="datetimeFigureOut">
               <a:rPr lang="zh-CN" altLang="en-US" smtClean="0"/>
               <a:t>2024/3/10</a:t>
             </a:fld>
@@ -1821,7 +1821,7 @@
           <p:cNvPr id="8" name="页脚占位符 7">
             <a:extLst>
               <a:ext uri="{FF2B5EF4-FFF2-40B4-BE49-F238E27FC236}">
-                <a16:creationId xmlns:a16="http://schemas.microsoft.com/office/drawing/2014/main" id="{E120DEBF-3738-C69B-E2BF-22B8751A8CDF}"/>
+                <a16:creationId xmlns:a16="http://schemas.microsoft.com/office/drawing/2014/main" id="{A5E2ED11-E800-7A5C-3C26-88CBA6A4458F}"/>
               </a:ext>
             </a:extLst>
           </p:cNvPr>
@@ -1846,7 +1846,7 @@
           <p:cNvPr id="9" name="灯片编号占位符 8">
             <a:extLst>
               <a:ext uri="{FF2B5EF4-FFF2-40B4-BE49-F238E27FC236}">
-                <a16:creationId xmlns:a16="http://schemas.microsoft.com/office/drawing/2014/main" id="{24956020-1F7C-B5AC-91A5-FB0AD4A7CF99}"/>
+                <a16:creationId xmlns:a16="http://schemas.microsoft.com/office/drawing/2014/main" id="{A493619E-BF4A-958C-7B19-FD89F8285FD8}"/>
               </a:ext>
             </a:extLst>
           </p:cNvPr>
@@ -1862,7 +1862,7 @@
           <a:bodyPr/>
           <a:lstStyle/>
           <a:p>
-            <a:fld id="{779701BB-CBBF-45A7-9EE0-BCCA4005928F}" type="slidenum">
+            <a:fld id="{F0EF1426-804E-486C-9A0F-3CFED43A5972}" type="slidenum">
               <a:rPr lang="zh-CN" altLang="en-US" smtClean="0"/>
               <a:t>‹#›</a:t>
             </a:fld>
@@ -1873,7 +1873,7 @@
     </p:spTree>
     <p:extLst>
       <p:ext uri="{BB962C8B-B14F-4D97-AF65-F5344CB8AC3E}">
-        <p14:creationId xmlns:p14="http://schemas.microsoft.com/office/powerpoint/2010/main" val="3646258110"/>
+        <p14:creationId xmlns:p14="http://schemas.microsoft.com/office/powerpoint/2010/main" val="3495954732"/>
       </p:ext>
     </p:extLst>
   </p:cSld>
@@ -1905,7 +1905,7 @@
           <p:cNvPr id="2" name="标题 1">
             <a:extLst>
               <a:ext uri="{FF2B5EF4-FFF2-40B4-BE49-F238E27FC236}">
-                <a16:creationId xmlns:a16="http://schemas.microsoft.com/office/drawing/2014/main" id="{C9F9F8E2-4D83-E21D-360E-C95CED157E82}"/>
+                <a16:creationId xmlns:a16="http://schemas.microsoft.com/office/drawing/2014/main" id="{A07918F7-4DD7-BFE0-53C0-8D0FFD1289B4}"/>
               </a:ext>
             </a:extLst>
           </p:cNvPr>
@@ -1933,7 +1933,7 @@
           <p:cNvPr id="3" name="日期占位符 2">
             <a:extLst>
               <a:ext uri="{FF2B5EF4-FFF2-40B4-BE49-F238E27FC236}">
-                <a16:creationId xmlns:a16="http://schemas.microsoft.com/office/drawing/2014/main" id="{42B89323-C95A-7020-25A3-7F7903C2E3B9}"/>
+                <a16:creationId xmlns:a16="http://schemas.microsoft.com/office/drawing/2014/main" id="{EE6E6DB3-4FB9-12F0-0FF1-379AF8FF06D0}"/>
               </a:ext>
             </a:extLst>
           </p:cNvPr>
@@ -1949,7 +1949,7 @@
           <a:bodyPr/>
           <a:lstStyle/>
           <a:p>
-            <a:fld id="{443A569A-B081-480C-8B4E-B823A27AB127}" type="datetimeFigureOut">
+            <a:fld id="{F595638D-2C69-42E4-BFD8-917C827F818F}" type="datetimeFigureOut">
               <a:rPr lang="zh-CN" altLang="en-US" smtClean="0"/>
               <a:t>2024/3/10</a:t>
             </a:fld>
@@ -1962,7 +1962,7 @@
           <p:cNvPr id="4" name="页脚占位符 3">
             <a:extLst>
               <a:ext uri="{FF2B5EF4-FFF2-40B4-BE49-F238E27FC236}">
-                <a16:creationId xmlns:a16="http://schemas.microsoft.com/office/drawing/2014/main" id="{8F273D37-6590-DEEE-CF73-FF4AA27ADC5E}"/>
+                <a16:creationId xmlns:a16="http://schemas.microsoft.com/office/drawing/2014/main" id="{B6D3B99C-C5FB-DA11-E52F-CA668EA5AC2D}"/>
               </a:ext>
             </a:extLst>
           </p:cNvPr>
@@ -1987,7 +1987,7 @@
           <p:cNvPr id="5" name="灯片编号占位符 4">
             <a:extLst>
               <a:ext uri="{FF2B5EF4-FFF2-40B4-BE49-F238E27FC236}">
-                <a16:creationId xmlns:a16="http://schemas.microsoft.com/office/drawing/2014/main" id="{04C5CAFD-4A55-528B-2EC8-9B04A509DD78}"/>
+                <a16:creationId xmlns:a16="http://schemas.microsoft.com/office/drawing/2014/main" id="{EF326061-DFD1-D588-2D47-87CE1AD6DE66}"/>
               </a:ext>
             </a:extLst>
           </p:cNvPr>
@@ -2003,7 +2003,7 @@
           <a:bodyPr/>
           <a:lstStyle/>
           <a:p>
-            <a:fld id="{779701BB-CBBF-45A7-9EE0-BCCA4005928F}" type="slidenum">
+            <a:fld id="{F0EF1426-804E-486C-9A0F-3CFED43A5972}" type="slidenum">
               <a:rPr lang="zh-CN" altLang="en-US" smtClean="0"/>
               <a:t>‹#›</a:t>
             </a:fld>
@@ -2014,7 +2014,7 @@
     </p:spTree>
     <p:extLst>
       <p:ext uri="{BB962C8B-B14F-4D97-AF65-F5344CB8AC3E}">
-        <p14:creationId xmlns:p14="http://schemas.microsoft.com/office/powerpoint/2010/main" val="3220024217"/>
+        <p14:creationId xmlns:p14="http://schemas.microsoft.com/office/powerpoint/2010/main" val="3181183814"/>
       </p:ext>
     </p:extLst>
   </p:cSld>
@@ -2046,7 +2046,7 @@
           <p:cNvPr id="2" name="日期占位符 1">
             <a:extLst>
               <a:ext uri="{FF2B5EF4-FFF2-40B4-BE49-F238E27FC236}">
-                <a16:creationId xmlns:a16="http://schemas.microsoft.com/office/drawing/2014/main" id="{E2ECCEE5-E1DE-8818-82AB-146F6BE41DC0}"/>
+                <a16:creationId xmlns:a16="http://schemas.microsoft.com/office/drawing/2014/main" id="{C394C67B-C887-C76A-4589-4C82AB6E76C7}"/>
               </a:ext>
             </a:extLst>
           </p:cNvPr>
@@ -2062,7 +2062,7 @@
           <a:bodyPr/>
           <a:lstStyle/>
           <a:p>
-            <a:fld id="{443A569A-B081-480C-8B4E-B823A27AB127}" type="datetimeFigureOut">
+            <a:fld id="{F595638D-2C69-42E4-BFD8-917C827F818F}" type="datetimeFigureOut">
               <a:rPr lang="zh-CN" altLang="en-US" smtClean="0"/>
               <a:t>2024/3/10</a:t>
             </a:fld>
@@ -2075,7 +2075,7 @@
           <p:cNvPr id="3" name="页脚占位符 2">
             <a:extLst>
               <a:ext uri="{FF2B5EF4-FFF2-40B4-BE49-F238E27FC236}">
-                <a16:creationId xmlns:a16="http://schemas.microsoft.com/office/drawing/2014/main" id="{7C399B34-119E-5A3F-26AA-19CA5FD56333}"/>
+                <a16:creationId xmlns:a16="http://schemas.microsoft.com/office/drawing/2014/main" id="{6636D826-CAE1-FA42-95AE-148136706151}"/>
               </a:ext>
             </a:extLst>
           </p:cNvPr>
@@ -2100,7 +2100,7 @@
           <p:cNvPr id="4" name="灯片编号占位符 3">
             <a:extLst>
               <a:ext uri="{FF2B5EF4-FFF2-40B4-BE49-F238E27FC236}">
-                <a16:creationId xmlns:a16="http://schemas.microsoft.com/office/drawing/2014/main" id="{90520DAD-B01D-02D8-9C43-B7070FE58396}"/>
+                <a16:creationId xmlns:a16="http://schemas.microsoft.com/office/drawing/2014/main" id="{BD2B76BF-D2F0-5ECC-EEA1-692708586AE0}"/>
               </a:ext>
             </a:extLst>
           </p:cNvPr>
@@ -2116,7 +2116,7 @@
           <a:bodyPr/>
           <a:lstStyle/>
           <a:p>
-            <a:fld id="{779701BB-CBBF-45A7-9EE0-BCCA4005928F}" type="slidenum">
+            <a:fld id="{F0EF1426-804E-486C-9A0F-3CFED43A5972}" type="slidenum">
               <a:rPr lang="zh-CN" altLang="en-US" smtClean="0"/>
               <a:t>‹#›</a:t>
             </a:fld>
@@ -2127,7 +2127,7 @@
     </p:spTree>
     <p:extLst>
       <p:ext uri="{BB962C8B-B14F-4D97-AF65-F5344CB8AC3E}">
-        <p14:creationId xmlns:p14="http://schemas.microsoft.com/office/powerpoint/2010/main" val="573094203"/>
+        <p14:creationId xmlns:p14="http://schemas.microsoft.com/office/powerpoint/2010/main" val="622742857"/>
       </p:ext>
     </p:extLst>
   </p:cSld>
@@ -2159,7 +2159,7 @@
           <p:cNvPr id="2" name="标题 1">
             <a:extLst>
               <a:ext uri="{FF2B5EF4-FFF2-40B4-BE49-F238E27FC236}">
-                <a16:creationId xmlns:a16="http://schemas.microsoft.com/office/drawing/2014/main" id="{00F794A1-5384-1722-657C-7E5CBD64EC20}"/>
+                <a16:creationId xmlns:a16="http://schemas.microsoft.com/office/drawing/2014/main" id="{D2DA621B-392B-626B-A680-8BF284CA0192}"/>
               </a:ext>
             </a:extLst>
           </p:cNvPr>
@@ -2196,7 +2196,7 @@
           <p:cNvPr id="3" name="内容占位符 2">
             <a:extLst>
               <a:ext uri="{FF2B5EF4-FFF2-40B4-BE49-F238E27FC236}">
-                <a16:creationId xmlns:a16="http://schemas.microsoft.com/office/drawing/2014/main" id="{F13AF465-E72F-0379-26A1-84243BCEC67D}"/>
+                <a16:creationId xmlns:a16="http://schemas.microsoft.com/office/drawing/2014/main" id="{93C52CA2-870D-FB44-8C25-D29A4013E252}"/>
               </a:ext>
             </a:extLst>
           </p:cNvPr>
@@ -2286,7 +2286,7 @@
           <p:cNvPr id="4" name="文本占位符 3">
             <a:extLst>
               <a:ext uri="{FF2B5EF4-FFF2-40B4-BE49-F238E27FC236}">
-                <a16:creationId xmlns:a16="http://schemas.microsoft.com/office/drawing/2014/main" id="{38CAD249-45D6-BBDC-F85E-58EDBED98819}"/>
+                <a16:creationId xmlns:a16="http://schemas.microsoft.com/office/drawing/2014/main" id="{D2726BDE-F8E0-9A4A-DE27-7ABCC0C8D562}"/>
               </a:ext>
             </a:extLst>
           </p:cNvPr>
@@ -2357,7 +2357,7 @@
           <p:cNvPr id="5" name="日期占位符 4">
             <a:extLst>
               <a:ext uri="{FF2B5EF4-FFF2-40B4-BE49-F238E27FC236}">
-                <a16:creationId xmlns:a16="http://schemas.microsoft.com/office/drawing/2014/main" id="{03735615-5DAB-DC02-5847-9914942F0B7F}"/>
+                <a16:creationId xmlns:a16="http://schemas.microsoft.com/office/drawing/2014/main" id="{50A14946-973A-0D43-558D-8F45BBF437B6}"/>
               </a:ext>
             </a:extLst>
           </p:cNvPr>
@@ -2373,7 +2373,7 @@
           <a:bodyPr/>
           <a:lstStyle/>
           <a:p>
-            <a:fld id="{443A569A-B081-480C-8B4E-B823A27AB127}" type="datetimeFigureOut">
+            <a:fld id="{F595638D-2C69-42E4-BFD8-917C827F818F}" type="datetimeFigureOut">
               <a:rPr lang="zh-CN" altLang="en-US" smtClean="0"/>
               <a:t>2024/3/10</a:t>
             </a:fld>
@@ -2386,7 +2386,7 @@
           <p:cNvPr id="6" name="页脚占位符 5">
             <a:extLst>
               <a:ext uri="{FF2B5EF4-FFF2-40B4-BE49-F238E27FC236}">
-                <a16:creationId xmlns:a16="http://schemas.microsoft.com/office/drawing/2014/main" id="{9103151E-82A2-D0FA-62D1-5DC1664D9895}"/>
+                <a16:creationId xmlns:a16="http://schemas.microsoft.com/office/drawing/2014/main" id="{F4D45246-9C9D-4599-B6D1-FD33D89EE7F2}"/>
               </a:ext>
             </a:extLst>
           </p:cNvPr>
@@ -2411,7 +2411,7 @@
           <p:cNvPr id="7" name="灯片编号占位符 6">
             <a:extLst>
               <a:ext uri="{FF2B5EF4-FFF2-40B4-BE49-F238E27FC236}">
-                <a16:creationId xmlns:a16="http://schemas.microsoft.com/office/drawing/2014/main" id="{4E6D3871-1E2F-45CE-7745-E60D2383C2EC}"/>
+                <a16:creationId xmlns:a16="http://schemas.microsoft.com/office/drawing/2014/main" id="{CA736840-89B2-4711-BF7A-EB7F95089A51}"/>
               </a:ext>
             </a:extLst>
           </p:cNvPr>
@@ -2427,7 +2427,7 @@
           <a:bodyPr/>
           <a:lstStyle/>
           <a:p>
-            <a:fld id="{779701BB-CBBF-45A7-9EE0-BCCA4005928F}" type="slidenum">
+            <a:fld id="{F0EF1426-804E-486C-9A0F-3CFED43A5972}" type="slidenum">
               <a:rPr lang="zh-CN" altLang="en-US" smtClean="0"/>
               <a:t>‹#›</a:t>
             </a:fld>
@@ -2438,7 +2438,7 @@
     </p:spTree>
     <p:extLst>
       <p:ext uri="{BB962C8B-B14F-4D97-AF65-F5344CB8AC3E}">
-        <p14:creationId xmlns:p14="http://schemas.microsoft.com/office/powerpoint/2010/main" val="3491162005"/>
+        <p14:creationId xmlns:p14="http://schemas.microsoft.com/office/powerpoint/2010/main" val="1728294121"/>
       </p:ext>
     </p:extLst>
   </p:cSld>
@@ -2470,7 +2470,7 @@
           <p:cNvPr id="2" name="标题 1">
             <a:extLst>
               <a:ext uri="{FF2B5EF4-FFF2-40B4-BE49-F238E27FC236}">
-                <a16:creationId xmlns:a16="http://schemas.microsoft.com/office/drawing/2014/main" id="{504F155B-FBA7-F32A-4D66-D46CB289EB96}"/>
+                <a16:creationId xmlns:a16="http://schemas.microsoft.com/office/drawing/2014/main" id="{11AFCE78-C4A5-8147-68D6-3630734462D3}"/>
               </a:ext>
             </a:extLst>
           </p:cNvPr>
@@ -2507,7 +2507,7 @@
           <p:cNvPr id="3" name="图片占位符 2">
             <a:extLst>
               <a:ext uri="{FF2B5EF4-FFF2-40B4-BE49-F238E27FC236}">
-                <a16:creationId xmlns:a16="http://schemas.microsoft.com/office/drawing/2014/main" id="{44C710DC-7D88-810E-801B-B7140518E5A2}"/>
+                <a16:creationId xmlns:a16="http://schemas.microsoft.com/office/drawing/2014/main" id="{ACFC5EA3-1AD0-DB7E-3193-4E67C3A7A067}"/>
               </a:ext>
             </a:extLst>
           </p:cNvPr>
@@ -2574,7 +2574,7 @@
           <p:cNvPr id="4" name="文本占位符 3">
             <a:extLst>
               <a:ext uri="{FF2B5EF4-FFF2-40B4-BE49-F238E27FC236}">
-                <a16:creationId xmlns:a16="http://schemas.microsoft.com/office/drawing/2014/main" id="{8BD2EC2E-B6A6-4854-C833-C6F08EC60234}"/>
+                <a16:creationId xmlns:a16="http://schemas.microsoft.com/office/drawing/2014/main" id="{4F812C9B-DECC-5BCD-DEF7-F0F72A3AD73E}"/>
               </a:ext>
             </a:extLst>
           </p:cNvPr>
@@ -2645,7 +2645,7 @@
           <p:cNvPr id="5" name="日期占位符 4">
             <a:extLst>
               <a:ext uri="{FF2B5EF4-FFF2-40B4-BE49-F238E27FC236}">
-                <a16:creationId xmlns:a16="http://schemas.microsoft.com/office/drawing/2014/main" id="{7C624264-2E23-4510-6430-2EF4BCEEE50E}"/>
+                <a16:creationId xmlns:a16="http://schemas.microsoft.com/office/drawing/2014/main" id="{7F5B2DC2-3DAC-355C-29AC-E6BF6C99BF12}"/>
               </a:ext>
             </a:extLst>
           </p:cNvPr>
@@ -2661,7 +2661,7 @@
           <a:bodyPr/>
           <a:lstStyle/>
           <a:p>
-            <a:fld id="{443A569A-B081-480C-8B4E-B823A27AB127}" type="datetimeFigureOut">
+            <a:fld id="{F595638D-2C69-42E4-BFD8-917C827F818F}" type="datetimeFigureOut">
               <a:rPr lang="zh-CN" altLang="en-US" smtClean="0"/>
               <a:t>2024/3/10</a:t>
             </a:fld>
@@ -2674,7 +2674,7 @@
           <p:cNvPr id="6" name="页脚占位符 5">
             <a:extLst>
               <a:ext uri="{FF2B5EF4-FFF2-40B4-BE49-F238E27FC236}">
-                <a16:creationId xmlns:a16="http://schemas.microsoft.com/office/drawing/2014/main" id="{168B8A80-DD7F-9F9B-30BD-4F862C10D749}"/>
+                <a16:creationId xmlns:a16="http://schemas.microsoft.com/office/drawing/2014/main" id="{F6C18119-164E-E089-7008-18ABF52EFCCB}"/>
               </a:ext>
             </a:extLst>
           </p:cNvPr>
@@ -2699,7 +2699,7 @@
           <p:cNvPr id="7" name="灯片编号占位符 6">
             <a:extLst>
               <a:ext uri="{FF2B5EF4-FFF2-40B4-BE49-F238E27FC236}">
-                <a16:creationId xmlns:a16="http://schemas.microsoft.com/office/drawing/2014/main" id="{36C9ED6E-E031-315F-D1DD-48081A1B68F5}"/>
+                <a16:creationId xmlns:a16="http://schemas.microsoft.com/office/drawing/2014/main" id="{0099D331-C69D-CA8F-0B39-A2B95F1600BA}"/>
               </a:ext>
             </a:extLst>
           </p:cNvPr>
@@ -2715,7 +2715,7 @@
           <a:bodyPr/>
           <a:lstStyle/>
           <a:p>
-            <a:fld id="{779701BB-CBBF-45A7-9EE0-BCCA4005928F}" type="slidenum">
+            <a:fld id="{F0EF1426-804E-486C-9A0F-3CFED43A5972}" type="slidenum">
               <a:rPr lang="zh-CN" altLang="en-US" smtClean="0"/>
               <a:t>‹#›</a:t>
             </a:fld>
@@ -2726,7 +2726,7 @@
     </p:spTree>
     <p:extLst>
       <p:ext uri="{BB962C8B-B14F-4D97-AF65-F5344CB8AC3E}">
-        <p14:creationId xmlns:p14="http://schemas.microsoft.com/office/powerpoint/2010/main" val="2424859747"/>
+        <p14:creationId xmlns:p14="http://schemas.microsoft.com/office/powerpoint/2010/main" val="1995996242"/>
       </p:ext>
     </p:extLst>
   </p:cSld>
@@ -2763,7 +2763,7 @@
           <p:cNvPr id="2" name="标题占位符 1">
             <a:extLst>
               <a:ext uri="{FF2B5EF4-FFF2-40B4-BE49-F238E27FC236}">
-                <a16:creationId xmlns:a16="http://schemas.microsoft.com/office/drawing/2014/main" id="{08BE2852-5D94-1F7A-85D1-44AB64819A24}"/>
+                <a16:creationId xmlns:a16="http://schemas.microsoft.com/office/drawing/2014/main" id="{602EFDCC-1035-6D1E-DF5F-0A52AB09B999}"/>
               </a:ext>
             </a:extLst>
           </p:cNvPr>
@@ -2801,7 +2801,7 @@
           <p:cNvPr id="3" name="文本占位符 2">
             <a:extLst>
               <a:ext uri="{FF2B5EF4-FFF2-40B4-BE49-F238E27FC236}">
-                <a16:creationId xmlns:a16="http://schemas.microsoft.com/office/drawing/2014/main" id="{F1842B53-C4BE-E470-BDA2-C742758AE441}"/>
+                <a16:creationId xmlns:a16="http://schemas.microsoft.com/office/drawing/2014/main" id="{B3DD1025-3642-105E-307C-674872757180}"/>
               </a:ext>
             </a:extLst>
           </p:cNvPr>
@@ -2868,7 +2868,7 @@
           <p:cNvPr id="4" name="日期占位符 3">
             <a:extLst>
               <a:ext uri="{FF2B5EF4-FFF2-40B4-BE49-F238E27FC236}">
-                <a16:creationId xmlns:a16="http://schemas.microsoft.com/office/drawing/2014/main" id="{0B2AB9F8-8A9A-76E3-F968-74987A828393}"/>
+                <a16:creationId xmlns:a16="http://schemas.microsoft.com/office/drawing/2014/main" id="{336C6A22-EC14-BCAA-A4CE-58BA14B0E881}"/>
               </a:ext>
             </a:extLst>
           </p:cNvPr>
@@ -2902,7 +2902,7 @@
             </a:lvl1pPr>
           </a:lstStyle>
           <a:p>
-            <a:fld id="{443A569A-B081-480C-8B4E-B823A27AB127}" type="datetimeFigureOut">
+            <a:fld id="{F595638D-2C69-42E4-BFD8-917C827F818F}" type="datetimeFigureOut">
               <a:rPr lang="zh-CN" altLang="en-US" smtClean="0"/>
               <a:t>2024/3/10</a:t>
             </a:fld>
@@ -2915,7 +2915,7 @@
           <p:cNvPr id="5" name="页脚占位符 4">
             <a:extLst>
               <a:ext uri="{FF2B5EF4-FFF2-40B4-BE49-F238E27FC236}">
-                <a16:creationId xmlns:a16="http://schemas.microsoft.com/office/drawing/2014/main" id="{E2EC8B1D-9648-41BA-18DA-8E36A9D33303}"/>
+                <a16:creationId xmlns:a16="http://schemas.microsoft.com/office/drawing/2014/main" id="{206DA298-406F-8C09-3AD3-248DC99F7DAD}"/>
               </a:ext>
             </a:extLst>
           </p:cNvPr>
@@ -2958,7 +2958,7 @@
           <p:cNvPr id="6" name="灯片编号占位符 5">
             <a:extLst>
               <a:ext uri="{FF2B5EF4-FFF2-40B4-BE49-F238E27FC236}">
-                <a16:creationId xmlns:a16="http://schemas.microsoft.com/office/drawing/2014/main" id="{AEFC1D6E-0070-BA3B-3F61-E49B61CD0607}"/>
+                <a16:creationId xmlns:a16="http://schemas.microsoft.com/office/drawing/2014/main" id="{65A1A4D6-9747-1E92-FDA5-7E5788DF93BB}"/>
               </a:ext>
             </a:extLst>
           </p:cNvPr>
@@ -2992,7 +2992,7 @@
             </a:lvl1pPr>
           </a:lstStyle>
           <a:p>
-            <a:fld id="{779701BB-CBBF-45A7-9EE0-BCCA4005928F}" type="slidenum">
+            <a:fld id="{F0EF1426-804E-486C-9A0F-3CFED43A5972}" type="slidenum">
               <a:rPr lang="zh-CN" altLang="en-US" smtClean="0"/>
               <a:t>‹#›</a:t>
             </a:fld>
@@ -3003,7 +3003,7 @@
     </p:spTree>
     <p:extLst>
       <p:ext uri="{BB962C8B-B14F-4D97-AF65-F5344CB8AC3E}">
-        <p14:creationId xmlns:p14="http://schemas.microsoft.com/office/powerpoint/2010/main" val="4104716990"/>
+        <p14:creationId xmlns:p14="http://schemas.microsoft.com/office/powerpoint/2010/main" val="2062398562"/>
       </p:ext>
     </p:extLst>
   </p:cSld>
